--- a/Assignments/Gradebook App PowerPont/MDKASHEM/Storybook.pptx
+++ b/Assignments/Gradebook App PowerPont/MDKASHEM/Storybook.pptx
@@ -6,9 +6,13 @@
   </p:sldMasterIdLst>
   <p:sldIdLst>
     <p:sldId id="256" r:id="rId2"/>
-    <p:sldId id="257" r:id="rId3"/>
-    <p:sldId id="258" r:id="rId4"/>
-    <p:sldId id="259" r:id="rId5"/>
+    <p:sldId id="260" r:id="rId3"/>
+    <p:sldId id="259" r:id="rId4"/>
+    <p:sldId id="257" r:id="rId5"/>
+    <p:sldId id="261" r:id="rId6"/>
+    <p:sldId id="258" r:id="rId7"/>
+    <p:sldId id="262" r:id="rId8"/>
+    <p:sldId id="263" r:id="rId9"/>
   </p:sldIdLst>
   <p:sldSz cx="12192000" cy="6858000"/>
   <p:notesSz cx="6858000" cy="9144000"/>
@@ -8908,7 +8912,7 @@
           <a:p>
             <a:fld id="{6D311044-9287-4FC2-9688-4582A2E22FF5}" type="datetimeFigureOut">
               <a:rPr lang="en-US" smtClean="0"/>
-              <a:t>2/26/2015</a:t>
+              <a:t>3/1/2015</a:t>
             </a:fld>
             <a:endParaRPr lang="en-US"/>
           </a:p>
@@ -9115,7 +9119,7 @@
           <a:p>
             <a:fld id="{6D311044-9287-4FC2-9688-4582A2E22FF5}" type="datetimeFigureOut">
               <a:rPr lang="en-US" smtClean="0"/>
-              <a:t>2/26/2015</a:t>
+              <a:t>3/1/2015</a:t>
             </a:fld>
             <a:endParaRPr lang="en-US"/>
           </a:p>
@@ -9295,7 +9299,7 @@
           <a:p>
             <a:fld id="{6D311044-9287-4FC2-9688-4582A2E22FF5}" type="datetimeFigureOut">
               <a:rPr lang="en-US" smtClean="0"/>
-              <a:t>2/26/2015</a:t>
+              <a:t>3/1/2015</a:t>
             </a:fld>
             <a:endParaRPr lang="en-US"/>
           </a:p>
@@ -9500,7 +9504,7 @@
           <a:p>
             <a:fld id="{6D311044-9287-4FC2-9688-4582A2E22FF5}" type="datetimeFigureOut">
               <a:rPr lang="en-US" smtClean="0"/>
-              <a:t>2/26/2015</a:t>
+              <a:t>3/1/2015</a:t>
             </a:fld>
             <a:endParaRPr lang="en-US"/>
           </a:p>
@@ -18398,7 +18402,7 @@
           <a:p>
             <a:fld id="{6D311044-9287-4FC2-9688-4582A2E22FF5}" type="datetimeFigureOut">
               <a:rPr lang="en-US" smtClean="0"/>
-              <a:t>2/26/2015</a:t>
+              <a:t>3/1/2015</a:t>
             </a:fld>
             <a:endParaRPr lang="en-US"/>
           </a:p>
@@ -18672,7 +18676,7 @@
           <a:p>
             <a:fld id="{6D311044-9287-4FC2-9688-4582A2E22FF5}" type="datetimeFigureOut">
               <a:rPr lang="en-US" smtClean="0"/>
-              <a:t>2/26/2015</a:t>
+              <a:t>3/1/2015</a:t>
             </a:fld>
             <a:endParaRPr lang="en-US"/>
           </a:p>
@@ -19070,7 +19074,7 @@
           <a:p>
             <a:fld id="{6D311044-9287-4FC2-9688-4582A2E22FF5}" type="datetimeFigureOut">
               <a:rPr lang="en-US" smtClean="0"/>
-              <a:t>2/26/2015</a:t>
+              <a:t>3/1/2015</a:t>
             </a:fld>
             <a:endParaRPr lang="en-US"/>
           </a:p>
@@ -19188,7 +19192,7 @@
           <a:p>
             <a:fld id="{6D311044-9287-4FC2-9688-4582A2E22FF5}" type="datetimeFigureOut">
               <a:rPr lang="en-US" smtClean="0"/>
-              <a:t>2/26/2015</a:t>
+              <a:t>3/1/2015</a:t>
             </a:fld>
             <a:endParaRPr lang="en-US"/>
           </a:p>
@@ -19283,7 +19287,7 @@
           <a:p>
             <a:fld id="{6D311044-9287-4FC2-9688-4582A2E22FF5}" type="datetimeFigureOut">
               <a:rPr lang="en-US" smtClean="0"/>
-              <a:t>2/26/2015</a:t>
+              <a:t>3/1/2015</a:t>
             </a:fld>
             <a:endParaRPr lang="en-US"/>
           </a:p>
@@ -19573,7 +19577,7 @@
           <a:p>
             <a:fld id="{6D311044-9287-4FC2-9688-4582A2E22FF5}" type="datetimeFigureOut">
               <a:rPr lang="en-US" smtClean="0"/>
-              <a:t>2/26/2015</a:t>
+              <a:t>3/1/2015</a:t>
             </a:fld>
             <a:endParaRPr lang="en-US"/>
           </a:p>
@@ -19853,7 +19857,7 @@
           <a:p>
             <a:fld id="{6D311044-9287-4FC2-9688-4582A2E22FF5}" type="datetimeFigureOut">
               <a:rPr lang="en-US" smtClean="0"/>
-              <a:t>2/26/2015</a:t>
+              <a:t>3/1/2015</a:t>
             </a:fld>
             <a:endParaRPr lang="en-US"/>
           </a:p>
@@ -20103,7 +20107,7 @@
           <a:p>
             <a:fld id="{6D311044-9287-4FC2-9688-4582A2E22FF5}" type="datetimeFigureOut">
               <a:rPr lang="en-US" smtClean="0"/>
-              <a:t>2/26/2015</a:t>
+              <a:t>3/1/2015</a:t>
             </a:fld>
             <a:endParaRPr lang="en-US"/>
           </a:p>
@@ -20665,6 +20669,415 @@
 </file>
 
 <file path=ppt/slides/slide2.xml><?xml version="1.0" encoding="utf-8"?>
+<p:sld xmlns:a="http://schemas.openxmlformats.org/drawingml/2006/main" xmlns:r="http://schemas.openxmlformats.org/officeDocument/2006/relationships" xmlns:p="http://schemas.openxmlformats.org/presentationml/2006/main">
+  <p:cSld>
+    <p:bg>
+      <p:bgPr>
+        <a:gradFill>
+          <a:gsLst>
+            <a:gs pos="0">
+              <a:schemeClr val="accent1">
+                <a:lumMod val="5000"/>
+                <a:lumOff val="95000"/>
+              </a:schemeClr>
+            </a:gs>
+            <a:gs pos="50000">
+              <a:schemeClr val="accent1">
+                <a:lumMod val="45000"/>
+                <a:lumOff val="55000"/>
+                <a:alpha val="37000"/>
+              </a:schemeClr>
+            </a:gs>
+            <a:gs pos="83000">
+              <a:schemeClr val="accent1">
+                <a:lumMod val="45000"/>
+                <a:lumOff val="55000"/>
+              </a:schemeClr>
+            </a:gs>
+            <a:gs pos="100000">
+              <a:schemeClr val="accent1">
+                <a:lumMod val="30000"/>
+                <a:lumOff val="70000"/>
+              </a:schemeClr>
+            </a:gs>
+          </a:gsLst>
+          <a:lin ang="5400000" scaled="1"/>
+        </a:gradFill>
+        <a:effectLst/>
+      </p:bgPr>
+    </p:bg>
+    <p:spTree>
+      <p:nvGrpSpPr>
+        <p:cNvPr id="1" name=""/>
+        <p:cNvGrpSpPr/>
+        <p:nvPr/>
+      </p:nvGrpSpPr>
+      <p:grpSpPr>
+        <a:xfrm>
+          <a:off x="0" y="0"/>
+          <a:ext cx="0" cy="0"/>
+          <a:chOff x="0" y="0"/>
+          <a:chExt cx="0" cy="0"/>
+        </a:xfrm>
+      </p:grpSpPr>
+      <p:sp>
+        <p:nvSpPr>
+          <p:cNvPr id="3" name="TextBox 2"/>
+          <p:cNvSpPr txBox="1"/>
+          <p:nvPr/>
+        </p:nvSpPr>
+        <p:spPr>
+          <a:xfrm>
+            <a:off x="2758225" y="989527"/>
+            <a:ext cx="1888902" cy="584775"/>
+          </a:xfrm>
+          <a:prstGeom prst="rect">
+            <a:avLst/>
+          </a:prstGeom>
+          <a:solidFill>
+            <a:schemeClr val="accent4">
+              <a:lumMod val="60000"/>
+              <a:lumOff val="40000"/>
+            </a:schemeClr>
+          </a:solidFill>
+        </p:spPr>
+        <p:txBody>
+          <a:bodyPr wrap="square" rtlCol="0">
+            <a:spAutoFit/>
+          </a:bodyPr>
+          <a:lstStyle/>
+          <a:p>
+            <a:pPr algn="ctr"/>
+            <a:r>
+              <a:rPr lang="en-US" sz="3200" b="1" dirty="0" smtClean="0">
+                <a:ln w="10160">
+                  <a:solidFill>
+                    <a:schemeClr val="accent5"/>
+                  </a:solidFill>
+                  <a:prstDash val="solid"/>
+                </a:ln>
+                <a:solidFill>
+                  <a:srgbClr val="FFFFFF"/>
+                </a:solidFill>
+                <a:effectLst>
+                  <a:outerShdw blurRad="38100" dist="22860" dir="5400000" algn="tl" rotWithShape="0">
+                    <a:srgbClr val="000000">
+                      <a:alpha val="30000"/>
+                    </a:srgbClr>
+                  </a:outerShdw>
+                </a:effectLst>
+              </a:rPr>
+              <a:t>Grade</a:t>
+            </a:r>
+            <a:endParaRPr lang="en-US" sz="3200" dirty="0"/>
+          </a:p>
+        </p:txBody>
+      </p:sp>
+      <p:sp>
+        <p:nvSpPr>
+          <p:cNvPr id="4" name="TextBox 3"/>
+          <p:cNvSpPr txBox="1"/>
+          <p:nvPr/>
+        </p:nvSpPr>
+        <p:spPr>
+          <a:xfrm>
+            <a:off x="2210873" y="2266682"/>
+            <a:ext cx="1094704" cy="369332"/>
+          </a:xfrm>
+          <a:prstGeom prst="rect">
+            <a:avLst/>
+          </a:prstGeom>
+          <a:solidFill>
+            <a:schemeClr val="accent1"/>
+          </a:solidFill>
+        </p:spPr>
+        <p:txBody>
+          <a:bodyPr wrap="square" rtlCol="0">
+            <a:spAutoFit/>
+          </a:bodyPr>
+          <a:lstStyle/>
+          <a:p>
+            <a:r>
+              <a:rPr lang="en-US" dirty="0" smtClean="0"/>
+              <a:t>Teachers</a:t>
+            </a:r>
+            <a:endParaRPr lang="en-US" dirty="0"/>
+          </a:p>
+        </p:txBody>
+      </p:sp>
+      <p:sp>
+        <p:nvSpPr>
+          <p:cNvPr id="5" name="TextBox 4"/>
+          <p:cNvSpPr txBox="1"/>
+          <p:nvPr/>
+        </p:nvSpPr>
+        <p:spPr>
+          <a:xfrm>
+            <a:off x="3831465" y="2286000"/>
+            <a:ext cx="1094704" cy="369332"/>
+          </a:xfrm>
+          <a:prstGeom prst="rect">
+            <a:avLst/>
+          </a:prstGeom>
+          <a:solidFill>
+            <a:schemeClr val="accent3"/>
+          </a:solidFill>
+        </p:spPr>
+        <p:txBody>
+          <a:bodyPr wrap="square" rtlCol="0">
+            <a:spAutoFit/>
+          </a:bodyPr>
+          <a:lstStyle/>
+          <a:p>
+            <a:r>
+              <a:rPr lang="en-US" dirty="0" smtClean="0"/>
+              <a:t>Students</a:t>
+            </a:r>
+            <a:endParaRPr lang="en-US" dirty="0"/>
+          </a:p>
+        </p:txBody>
+      </p:sp>
+    </p:spTree>
+    <p:extLst>
+      <p:ext uri="{BB962C8B-B14F-4D97-AF65-F5344CB8AC3E}">
+        <p14:creationId xmlns:p14="http://schemas.microsoft.com/office/powerpoint/2010/main" val="2864453383"/>
+      </p:ext>
+    </p:extLst>
+  </p:cSld>
+  <p:clrMapOvr>
+    <a:masterClrMapping/>
+  </p:clrMapOvr>
+</p:sld>
+</file>
+
+<file path=ppt/slides/slide3.xml><?xml version="1.0" encoding="utf-8"?>
+<p:sld xmlns:a="http://schemas.openxmlformats.org/drawingml/2006/main" xmlns:r="http://schemas.openxmlformats.org/officeDocument/2006/relationships" xmlns:p="http://schemas.openxmlformats.org/presentationml/2006/main">
+  <p:cSld>
+    <p:spTree>
+      <p:nvGrpSpPr>
+        <p:cNvPr id="1" name=""/>
+        <p:cNvGrpSpPr/>
+        <p:nvPr/>
+      </p:nvGrpSpPr>
+      <p:grpSpPr>
+        <a:xfrm>
+          <a:off x="0" y="0"/>
+          <a:ext cx="0" cy="0"/>
+          <a:chOff x="0" y="0"/>
+          <a:chExt cx="0" cy="0"/>
+        </a:xfrm>
+      </p:grpSpPr>
+      <p:sp>
+        <p:nvSpPr>
+          <p:cNvPr id="2" name="TextBox 1"/>
+          <p:cNvSpPr txBox="1"/>
+          <p:nvPr/>
+        </p:nvSpPr>
+        <p:spPr>
+          <a:xfrm>
+            <a:off x="1880315" y="1030310"/>
+            <a:ext cx="8461420" cy="5215944"/>
+          </a:xfrm>
+          <a:prstGeom prst="rect">
+            <a:avLst/>
+          </a:prstGeom>
+          <a:solidFill>
+            <a:schemeClr val="bg2"/>
+          </a:solidFill>
+        </p:spPr>
+        <p:txBody>
+          <a:bodyPr wrap="square" rtlCol="0">
+            <a:spAutoFit/>
+          </a:bodyPr>
+          <a:lstStyle/>
+          <a:p>
+            <a:endParaRPr lang="en-US" dirty="0"/>
+          </a:p>
+        </p:txBody>
+      </p:sp>
+      <p:sp>
+        <p:nvSpPr>
+          <p:cNvPr id="3" name="TextBox 2"/>
+          <p:cNvSpPr txBox="1"/>
+          <p:nvPr/>
+        </p:nvSpPr>
+        <p:spPr>
+          <a:xfrm>
+            <a:off x="2047741" y="1275008"/>
+            <a:ext cx="8126569" cy="369332"/>
+          </a:xfrm>
+          <a:prstGeom prst="rect">
+            <a:avLst/>
+          </a:prstGeom>
+          <a:solidFill>
+            <a:schemeClr val="accent3"/>
+          </a:solidFill>
+        </p:spPr>
+        <p:txBody>
+          <a:bodyPr wrap="square" rtlCol="0">
+            <a:spAutoFit/>
+          </a:bodyPr>
+          <a:lstStyle/>
+          <a:p>
+            <a:pPr algn="ctr"/>
+            <a:r>
+              <a:rPr lang="en-US" dirty="0" smtClean="0"/>
+              <a:t>Teachers</a:t>
+            </a:r>
+            <a:endParaRPr lang="en-US" dirty="0"/>
+          </a:p>
+        </p:txBody>
+      </p:sp>
+      <p:sp>
+        <p:nvSpPr>
+          <p:cNvPr id="5" name="TextBox 4"/>
+          <p:cNvSpPr txBox="1"/>
+          <p:nvPr/>
+        </p:nvSpPr>
+        <p:spPr>
+          <a:xfrm>
+            <a:off x="2047739" y="2134775"/>
+            <a:ext cx="4675033" cy="369332"/>
+          </a:xfrm>
+          <a:prstGeom prst="rect">
+            <a:avLst/>
+          </a:prstGeom>
+          <a:solidFill>
+            <a:schemeClr val="accent2">
+              <a:lumMod val="20000"/>
+              <a:lumOff val="80000"/>
+            </a:schemeClr>
+          </a:solidFill>
+          <a:ln>
+            <a:solidFill>
+              <a:schemeClr val="accent3"/>
+            </a:solidFill>
+          </a:ln>
+        </p:spPr>
+        <p:txBody>
+          <a:bodyPr wrap="square" rtlCol="0">
+            <a:spAutoFit/>
+          </a:bodyPr>
+          <a:lstStyle/>
+          <a:p>
+            <a:r>
+              <a:rPr lang="en-US" dirty="0" smtClean="0"/>
+              <a:t>User Name:</a:t>
+            </a:r>
+            <a:endParaRPr lang="en-US" dirty="0"/>
+          </a:p>
+        </p:txBody>
+      </p:sp>
+      <p:sp>
+        <p:nvSpPr>
+          <p:cNvPr id="6" name="TextBox 5"/>
+          <p:cNvSpPr txBox="1"/>
+          <p:nvPr/>
+        </p:nvSpPr>
+        <p:spPr>
+          <a:xfrm>
+            <a:off x="2047741" y="3140366"/>
+            <a:ext cx="4675032" cy="369332"/>
+          </a:xfrm>
+          <a:prstGeom prst="rect">
+            <a:avLst/>
+          </a:prstGeom>
+          <a:solidFill>
+            <a:schemeClr val="accent2">
+              <a:lumMod val="20000"/>
+              <a:lumOff val="80000"/>
+            </a:schemeClr>
+          </a:solidFill>
+          <a:ln>
+            <a:solidFill>
+              <a:schemeClr val="accent3"/>
+            </a:solidFill>
+          </a:ln>
+        </p:spPr>
+        <p:txBody>
+          <a:bodyPr wrap="square" rtlCol="0">
+            <a:spAutoFit/>
+          </a:bodyPr>
+          <a:lstStyle/>
+          <a:p>
+            <a:r>
+              <a:rPr lang="en-US" dirty="0" smtClean="0"/>
+              <a:t>Password:</a:t>
+            </a:r>
+            <a:endParaRPr lang="en-US" dirty="0"/>
+          </a:p>
+        </p:txBody>
+      </p:sp>
+      <p:sp>
+        <p:nvSpPr>
+          <p:cNvPr id="7" name="TextBox 6"/>
+          <p:cNvSpPr txBox="1"/>
+          <p:nvPr/>
+        </p:nvSpPr>
+        <p:spPr>
+          <a:xfrm>
+            <a:off x="3799268" y="2134775"/>
+            <a:ext cx="2923504" cy="369332"/>
+          </a:xfrm>
+          <a:prstGeom prst="rect">
+            <a:avLst/>
+          </a:prstGeom>
+          <a:solidFill>
+            <a:schemeClr val="bg1"/>
+          </a:solidFill>
+        </p:spPr>
+        <p:txBody>
+          <a:bodyPr wrap="square" rtlCol="0">
+            <a:spAutoFit/>
+          </a:bodyPr>
+          <a:lstStyle/>
+          <a:p>
+            <a:endParaRPr lang="en-US" dirty="0"/>
+          </a:p>
+        </p:txBody>
+      </p:sp>
+      <p:sp>
+        <p:nvSpPr>
+          <p:cNvPr id="8" name="TextBox 7"/>
+          <p:cNvSpPr txBox="1"/>
+          <p:nvPr/>
+        </p:nvSpPr>
+        <p:spPr>
+          <a:xfrm>
+            <a:off x="3799268" y="3140366"/>
+            <a:ext cx="2923504" cy="369332"/>
+          </a:xfrm>
+          <a:prstGeom prst="rect">
+            <a:avLst/>
+          </a:prstGeom>
+          <a:solidFill>
+            <a:schemeClr val="bg1"/>
+          </a:solidFill>
+        </p:spPr>
+        <p:txBody>
+          <a:bodyPr wrap="square" rtlCol="0">
+            <a:spAutoFit/>
+          </a:bodyPr>
+          <a:lstStyle/>
+          <a:p>
+            <a:endParaRPr lang="en-US" dirty="0"/>
+          </a:p>
+        </p:txBody>
+      </p:sp>
+    </p:spTree>
+    <p:extLst>
+      <p:ext uri="{BB962C8B-B14F-4D97-AF65-F5344CB8AC3E}">
+        <p14:creationId xmlns:p14="http://schemas.microsoft.com/office/powerpoint/2010/main" val="116170494"/>
+      </p:ext>
+    </p:extLst>
+  </p:cSld>
+  <p:clrMapOvr>
+    <a:masterClrMapping/>
+  </p:clrMapOvr>
+</p:sld>
+</file>
+
+<file path=ppt/slides/slide4.xml><?xml version="1.0" encoding="utf-8"?>
 <p:sld xmlns:a="http://schemas.openxmlformats.org/drawingml/2006/main" xmlns:r="http://schemas.openxmlformats.org/officeDocument/2006/relationships" xmlns:p="http://schemas.openxmlformats.org/presentationml/2006/main">
   <p:cSld>
     <p:spTree>
@@ -22122,7 +22535,234 @@
 </p:sld>
 </file>
 
-<file path=ppt/slides/slide3.xml><?xml version="1.0" encoding="utf-8"?>
+<file path=ppt/slides/slide5.xml><?xml version="1.0" encoding="utf-8"?>
+<p:sld xmlns:a="http://schemas.openxmlformats.org/drawingml/2006/main" xmlns:r="http://schemas.openxmlformats.org/officeDocument/2006/relationships" xmlns:p="http://schemas.openxmlformats.org/presentationml/2006/main">
+  <p:cSld>
+    <p:spTree>
+      <p:nvGrpSpPr>
+        <p:cNvPr id="1" name=""/>
+        <p:cNvGrpSpPr/>
+        <p:nvPr/>
+      </p:nvGrpSpPr>
+      <p:grpSpPr>
+        <a:xfrm>
+          <a:off x="0" y="0"/>
+          <a:ext cx="0" cy="0"/>
+          <a:chOff x="0" y="0"/>
+          <a:chExt cx="0" cy="0"/>
+        </a:xfrm>
+      </p:grpSpPr>
+      <p:sp>
+        <p:nvSpPr>
+          <p:cNvPr id="2" name="TextBox 1"/>
+          <p:cNvSpPr txBox="1"/>
+          <p:nvPr/>
+        </p:nvSpPr>
+        <p:spPr>
+          <a:xfrm>
+            <a:off x="1880315" y="1030310"/>
+            <a:ext cx="8461420" cy="5215944"/>
+          </a:xfrm>
+          <a:prstGeom prst="rect">
+            <a:avLst/>
+          </a:prstGeom>
+          <a:solidFill>
+            <a:schemeClr val="bg2"/>
+          </a:solidFill>
+        </p:spPr>
+        <p:txBody>
+          <a:bodyPr wrap="square" rtlCol="0">
+            <a:spAutoFit/>
+          </a:bodyPr>
+          <a:lstStyle/>
+          <a:p>
+            <a:endParaRPr lang="en-US" dirty="0"/>
+          </a:p>
+        </p:txBody>
+      </p:sp>
+      <p:sp>
+        <p:nvSpPr>
+          <p:cNvPr id="3" name="TextBox 2"/>
+          <p:cNvSpPr txBox="1"/>
+          <p:nvPr/>
+        </p:nvSpPr>
+        <p:spPr>
+          <a:xfrm>
+            <a:off x="2061809" y="1275008"/>
+            <a:ext cx="8126569" cy="369332"/>
+          </a:xfrm>
+          <a:prstGeom prst="rect">
+            <a:avLst/>
+          </a:prstGeom>
+          <a:solidFill>
+            <a:schemeClr val="accent3"/>
+          </a:solidFill>
+        </p:spPr>
+        <p:txBody>
+          <a:bodyPr wrap="square" rtlCol="0">
+            <a:spAutoFit/>
+          </a:bodyPr>
+          <a:lstStyle/>
+          <a:p>
+            <a:pPr algn="ctr"/>
+            <a:r>
+              <a:rPr lang="en-US" dirty="0" smtClean="0"/>
+              <a:t>Student</a:t>
+            </a:r>
+            <a:endParaRPr lang="en-US" dirty="0"/>
+          </a:p>
+        </p:txBody>
+      </p:sp>
+      <p:sp>
+        <p:nvSpPr>
+          <p:cNvPr id="4" name="TextBox 3"/>
+          <p:cNvSpPr txBox="1"/>
+          <p:nvPr/>
+        </p:nvSpPr>
+        <p:spPr>
+          <a:xfrm>
+            <a:off x="2047739" y="2134775"/>
+            <a:ext cx="4675033" cy="369332"/>
+          </a:xfrm>
+          <a:prstGeom prst="rect">
+            <a:avLst/>
+          </a:prstGeom>
+          <a:solidFill>
+            <a:schemeClr val="accent2">
+              <a:lumMod val="20000"/>
+              <a:lumOff val="80000"/>
+            </a:schemeClr>
+          </a:solidFill>
+          <a:ln>
+            <a:solidFill>
+              <a:schemeClr val="accent3"/>
+            </a:solidFill>
+          </a:ln>
+        </p:spPr>
+        <p:txBody>
+          <a:bodyPr wrap="square" rtlCol="0">
+            <a:spAutoFit/>
+          </a:bodyPr>
+          <a:lstStyle/>
+          <a:p>
+            <a:r>
+              <a:rPr lang="en-US" dirty="0" smtClean="0"/>
+              <a:t>User Name:</a:t>
+            </a:r>
+            <a:endParaRPr lang="en-US" dirty="0"/>
+          </a:p>
+        </p:txBody>
+      </p:sp>
+      <p:sp>
+        <p:nvSpPr>
+          <p:cNvPr id="5" name="TextBox 4"/>
+          <p:cNvSpPr txBox="1"/>
+          <p:nvPr/>
+        </p:nvSpPr>
+        <p:spPr>
+          <a:xfrm>
+            <a:off x="2047741" y="3140366"/>
+            <a:ext cx="4675032" cy="369332"/>
+          </a:xfrm>
+          <a:prstGeom prst="rect">
+            <a:avLst/>
+          </a:prstGeom>
+          <a:solidFill>
+            <a:schemeClr val="accent2">
+              <a:lumMod val="20000"/>
+              <a:lumOff val="80000"/>
+            </a:schemeClr>
+          </a:solidFill>
+          <a:ln>
+            <a:solidFill>
+              <a:schemeClr val="accent3"/>
+            </a:solidFill>
+          </a:ln>
+        </p:spPr>
+        <p:txBody>
+          <a:bodyPr wrap="square" rtlCol="0">
+            <a:spAutoFit/>
+          </a:bodyPr>
+          <a:lstStyle/>
+          <a:p>
+            <a:r>
+              <a:rPr lang="en-US" dirty="0" smtClean="0"/>
+              <a:t>Password:</a:t>
+            </a:r>
+            <a:endParaRPr lang="en-US" dirty="0"/>
+          </a:p>
+        </p:txBody>
+      </p:sp>
+      <p:sp>
+        <p:nvSpPr>
+          <p:cNvPr id="6" name="TextBox 5"/>
+          <p:cNvSpPr txBox="1"/>
+          <p:nvPr/>
+        </p:nvSpPr>
+        <p:spPr>
+          <a:xfrm>
+            <a:off x="3799268" y="2134775"/>
+            <a:ext cx="2923504" cy="369332"/>
+          </a:xfrm>
+          <a:prstGeom prst="rect">
+            <a:avLst/>
+          </a:prstGeom>
+          <a:solidFill>
+            <a:schemeClr val="bg1"/>
+          </a:solidFill>
+        </p:spPr>
+        <p:txBody>
+          <a:bodyPr wrap="square" rtlCol="0">
+            <a:spAutoFit/>
+          </a:bodyPr>
+          <a:lstStyle/>
+          <a:p>
+            <a:endParaRPr lang="en-US" dirty="0"/>
+          </a:p>
+        </p:txBody>
+      </p:sp>
+      <p:sp>
+        <p:nvSpPr>
+          <p:cNvPr id="7" name="TextBox 6"/>
+          <p:cNvSpPr txBox="1"/>
+          <p:nvPr/>
+        </p:nvSpPr>
+        <p:spPr>
+          <a:xfrm>
+            <a:off x="3799268" y="3140366"/>
+            <a:ext cx="2923504" cy="369332"/>
+          </a:xfrm>
+          <a:prstGeom prst="rect">
+            <a:avLst/>
+          </a:prstGeom>
+          <a:solidFill>
+            <a:schemeClr val="bg1"/>
+          </a:solidFill>
+        </p:spPr>
+        <p:txBody>
+          <a:bodyPr wrap="square" rtlCol="0">
+            <a:spAutoFit/>
+          </a:bodyPr>
+          <a:lstStyle/>
+          <a:p>
+            <a:endParaRPr lang="en-US" dirty="0"/>
+          </a:p>
+        </p:txBody>
+      </p:sp>
+    </p:spTree>
+    <p:extLst>
+      <p:ext uri="{BB962C8B-B14F-4D97-AF65-F5344CB8AC3E}">
+        <p14:creationId xmlns:p14="http://schemas.microsoft.com/office/powerpoint/2010/main" val="3571581273"/>
+      </p:ext>
+    </p:extLst>
+  </p:cSld>
+  <p:clrMapOvr>
+    <a:masterClrMapping/>
+  </p:clrMapOvr>
+</p:sld>
+</file>
+
+<file path=ppt/slides/slide6.xml><?xml version="1.0" encoding="utf-8"?>
 <p:sld xmlns:a="http://schemas.openxmlformats.org/drawingml/2006/main" xmlns:r="http://schemas.openxmlformats.org/officeDocument/2006/relationships" xmlns:p="http://schemas.openxmlformats.org/presentationml/2006/main">
   <p:cSld>
     <p:spTree>
@@ -22370,7 +23010,7 @@
 </p:sld>
 </file>
 
-<file path=ppt/slides/slide4.xml><?xml version="1.0" encoding="utf-8"?>
+<file path=ppt/slides/slide7.xml><?xml version="1.0" encoding="utf-8"?>
 <p:sld xmlns:a="http://schemas.openxmlformats.org/drawingml/2006/main" xmlns:r="http://schemas.openxmlformats.org/officeDocument/2006/relationships" xmlns:p="http://schemas.openxmlformats.org/presentationml/2006/main">
   <p:cSld>
     <p:spTree>
@@ -22387,10 +23027,1736 @@
           <a:chExt cx="0" cy="0"/>
         </a:xfrm>
       </p:grpSpPr>
+      <p:graphicFrame>
+        <p:nvGraphicFramePr>
+          <p:cNvPr id="2" name="Table 1"/>
+          <p:cNvGraphicFramePr>
+            <a:graphicFrameLocks noGrp="1"/>
+          </p:cNvGraphicFramePr>
+          <p:nvPr>
+            <p:extLst>
+              <p:ext uri="{D42A27DB-BD31-4B8C-83A1-F6EECF244321}">
+                <p14:modId xmlns:p14="http://schemas.microsoft.com/office/powerpoint/2010/main" val="2604439137"/>
+              </p:ext>
+            </p:extLst>
+          </p:nvPr>
+        </p:nvGraphicFramePr>
+        <p:xfrm>
+          <a:off x="2032000" y="719666"/>
+          <a:ext cx="8128001" cy="4516120"/>
+        </p:xfrm>
+        <a:graphic>
+          <a:graphicData uri="http://schemas.openxmlformats.org/drawingml/2006/table">
+            <a:tbl>
+              <a:tblPr firstRow="1" bandRow="1">
+                <a:tableStyleId>{5C22544A-7EE6-4342-B048-85BDC9FD1C3A}</a:tableStyleId>
+              </a:tblPr>
+              <a:tblGrid>
+                <a:gridCol w="1161143"/>
+                <a:gridCol w="1161143"/>
+                <a:gridCol w="1161143"/>
+                <a:gridCol w="1161143"/>
+                <a:gridCol w="1161143"/>
+                <a:gridCol w="1161143"/>
+                <a:gridCol w="1161143"/>
+              </a:tblGrid>
+              <a:tr h="370840">
+                <a:tc gridSpan="7">
+                  <a:txBody>
+                    <a:bodyPr/>
+                    <a:lstStyle/>
+                    <a:p>
+                      <a:pPr algn="ctr"/>
+                      <a:r>
+                        <a:rPr lang="en-US" dirty="0" smtClean="0"/>
+                        <a:t>Midterm Grade</a:t>
+                      </a:r>
+                      <a:endParaRPr lang="en-US" dirty="0"/>
+                    </a:p>
+                  </a:txBody>
+                  <a:tcPr/>
+                </a:tc>
+                <a:tc hMerge="1">
+                  <a:txBody>
+                    <a:bodyPr/>
+                    <a:lstStyle/>
+                    <a:p>
+                      <a:endParaRPr lang="en-US" dirty="0"/>
+                    </a:p>
+                  </a:txBody>
+                  <a:tcPr/>
+                </a:tc>
+                <a:tc hMerge="1">
+                  <a:txBody>
+                    <a:bodyPr/>
+                    <a:lstStyle/>
+                    <a:p>
+                      <a:endParaRPr lang="en-US" dirty="0"/>
+                    </a:p>
+                  </a:txBody>
+                  <a:tcPr/>
+                </a:tc>
+                <a:tc hMerge="1">
+                  <a:txBody>
+                    <a:bodyPr/>
+                    <a:lstStyle/>
+                    <a:p>
+                      <a:endParaRPr lang="en-US" dirty="0"/>
+                    </a:p>
+                  </a:txBody>
+                  <a:tcPr/>
+                </a:tc>
+                <a:tc hMerge="1">
+                  <a:txBody>
+                    <a:bodyPr/>
+                    <a:lstStyle/>
+                    <a:p>
+                      <a:endParaRPr lang="en-US" dirty="0"/>
+                    </a:p>
+                  </a:txBody>
+                  <a:tcPr/>
+                </a:tc>
+                <a:tc hMerge="1">
+                  <a:txBody>
+                    <a:bodyPr/>
+                    <a:lstStyle/>
+                    <a:p>
+                      <a:endParaRPr lang="en-US" dirty="0"/>
+                    </a:p>
+                  </a:txBody>
+                  <a:tcPr/>
+                </a:tc>
+                <a:tc hMerge="1">
+                  <a:txBody>
+                    <a:bodyPr/>
+                    <a:lstStyle/>
+                    <a:p>
+                      <a:endParaRPr lang="en-US" dirty="0"/>
+                    </a:p>
+                  </a:txBody>
+                  <a:tcPr/>
+                </a:tc>
+              </a:tr>
+              <a:tr h="370840">
+                <a:tc>
+                  <a:txBody>
+                    <a:bodyPr/>
+                    <a:lstStyle/>
+                    <a:p>
+                      <a:r>
+                        <a:rPr lang="en-US" dirty="0" smtClean="0"/>
+                        <a:t>Course Name</a:t>
+                      </a:r>
+                      <a:endParaRPr lang="en-US" dirty="0"/>
+                    </a:p>
+                  </a:txBody>
+                  <a:tcPr/>
+                </a:tc>
+                <a:tc>
+                  <a:txBody>
+                    <a:bodyPr/>
+                    <a:lstStyle/>
+                    <a:p>
+                      <a:r>
+                        <a:rPr lang="en-US" dirty="0" smtClean="0"/>
+                        <a:t>CRN</a:t>
+                      </a:r>
+                      <a:endParaRPr lang="en-US" dirty="0"/>
+                    </a:p>
+                  </a:txBody>
+                  <a:tcPr/>
+                </a:tc>
+                <a:tc>
+                  <a:txBody>
+                    <a:bodyPr/>
+                    <a:lstStyle/>
+                    <a:p>
+                      <a:r>
+                        <a:rPr lang="en-US" dirty="0" smtClean="0"/>
+                        <a:t>Instructor</a:t>
+                      </a:r>
+                      <a:endParaRPr lang="en-US" dirty="0"/>
+                    </a:p>
+                  </a:txBody>
+                  <a:tcPr/>
+                </a:tc>
+                <a:tc>
+                  <a:txBody>
+                    <a:bodyPr/>
+                    <a:lstStyle/>
+                    <a:p>
+                      <a:r>
+                        <a:rPr lang="en-US" dirty="0" smtClean="0"/>
+                        <a:t>Terms</a:t>
+                      </a:r>
+                      <a:endParaRPr lang="en-US" dirty="0"/>
+                    </a:p>
+                  </a:txBody>
+                  <a:tcPr/>
+                </a:tc>
+                <a:tc>
+                  <a:txBody>
+                    <a:bodyPr/>
+                    <a:lstStyle/>
+                    <a:p>
+                      <a:r>
+                        <a:rPr lang="en-US" dirty="0" smtClean="0"/>
+                        <a:t>Number</a:t>
+                      </a:r>
+                      <a:endParaRPr lang="en-US" dirty="0"/>
+                    </a:p>
+                  </a:txBody>
+                  <a:tcPr/>
+                </a:tc>
+                <a:tc>
+                  <a:txBody>
+                    <a:bodyPr/>
+                    <a:lstStyle/>
+                    <a:p>
+                      <a:r>
+                        <a:rPr lang="en-US" dirty="0" smtClean="0"/>
+                        <a:t>Letter Grade</a:t>
+                      </a:r>
+                      <a:endParaRPr lang="en-US" dirty="0"/>
+                    </a:p>
+                  </a:txBody>
+                  <a:tcPr/>
+                </a:tc>
+                <a:tc>
+                  <a:txBody>
+                    <a:bodyPr/>
+                    <a:lstStyle/>
+                    <a:p>
+                      <a:r>
+                        <a:rPr lang="en-US" dirty="0" smtClean="0"/>
+                        <a:t>GPA</a:t>
+                      </a:r>
+                      <a:endParaRPr lang="en-US" dirty="0"/>
+                    </a:p>
+                  </a:txBody>
+                  <a:tcPr/>
+                </a:tc>
+              </a:tr>
+              <a:tr h="370840">
+                <a:tc>
+                  <a:txBody>
+                    <a:bodyPr/>
+                    <a:lstStyle/>
+                    <a:p>
+                      <a:r>
+                        <a:rPr lang="en-US" dirty="0" smtClean="0"/>
+                        <a:t>Math</a:t>
+                      </a:r>
+                      <a:endParaRPr lang="en-US" dirty="0"/>
+                    </a:p>
+                  </a:txBody>
+                  <a:tcPr/>
+                </a:tc>
+                <a:tc>
+                  <a:txBody>
+                    <a:bodyPr/>
+                    <a:lstStyle/>
+                    <a:p>
+                      <a:r>
+                        <a:rPr lang="en-US" dirty="0" smtClean="0"/>
+                        <a:t>1296</a:t>
+                      </a:r>
+                      <a:endParaRPr lang="en-US" dirty="0"/>
+                    </a:p>
+                  </a:txBody>
+                  <a:tcPr/>
+                </a:tc>
+                <a:tc>
+                  <a:txBody>
+                    <a:bodyPr/>
+                    <a:lstStyle/>
+                    <a:p>
+                      <a:r>
+                        <a:rPr lang="en-US" dirty="0" smtClean="0"/>
+                        <a:t>Aaron</a:t>
+                      </a:r>
+                      <a:endParaRPr lang="en-US" dirty="0"/>
+                    </a:p>
+                  </a:txBody>
+                  <a:tcPr/>
+                </a:tc>
+                <a:tc>
+                  <a:txBody>
+                    <a:bodyPr/>
+                    <a:lstStyle/>
+                    <a:p>
+                      <a:r>
+                        <a:rPr lang="en-US" dirty="0" smtClean="0"/>
+                        <a:t>Sprint -2015</a:t>
+                      </a:r>
+                      <a:endParaRPr lang="en-US" dirty="0"/>
+                    </a:p>
+                  </a:txBody>
+                  <a:tcPr/>
+                </a:tc>
+                <a:tc>
+                  <a:txBody>
+                    <a:bodyPr/>
+                    <a:lstStyle/>
+                    <a:p>
+                      <a:r>
+                        <a:rPr lang="en-US" dirty="0" smtClean="0"/>
+                        <a:t>96</a:t>
+                      </a:r>
+                      <a:endParaRPr lang="en-US" dirty="0"/>
+                    </a:p>
+                  </a:txBody>
+                  <a:tcPr/>
+                </a:tc>
+                <a:tc>
+                  <a:txBody>
+                    <a:bodyPr/>
+                    <a:lstStyle/>
+                    <a:p>
+                      <a:r>
+                        <a:rPr lang="en-US" dirty="0" smtClean="0"/>
+                        <a:t>A</a:t>
+                      </a:r>
+                      <a:endParaRPr lang="en-US" dirty="0"/>
+                    </a:p>
+                  </a:txBody>
+                  <a:tcPr/>
+                </a:tc>
+                <a:tc>
+                  <a:txBody>
+                    <a:bodyPr/>
+                    <a:lstStyle/>
+                    <a:p>
+                      <a:r>
+                        <a:rPr lang="en-US" dirty="0" smtClean="0"/>
+                        <a:t>4.00</a:t>
+                      </a:r>
+                      <a:endParaRPr lang="en-US" dirty="0"/>
+                    </a:p>
+                  </a:txBody>
+                  <a:tcPr/>
+                </a:tc>
+              </a:tr>
+              <a:tr h="370840">
+                <a:tc>
+                  <a:txBody>
+                    <a:bodyPr/>
+                    <a:lstStyle/>
+                    <a:p>
+                      <a:r>
+                        <a:rPr lang="en-US" dirty="0" smtClean="0"/>
+                        <a:t>Physics</a:t>
+                      </a:r>
+                      <a:endParaRPr lang="en-US" dirty="0"/>
+                    </a:p>
+                  </a:txBody>
+                  <a:tcPr/>
+                </a:tc>
+                <a:tc>
+                  <a:txBody>
+                    <a:bodyPr/>
+                    <a:lstStyle/>
+                    <a:p>
+                      <a:r>
+                        <a:rPr lang="en-US" dirty="0" smtClean="0"/>
+                        <a:t>1234</a:t>
+                      </a:r>
+                      <a:endParaRPr lang="en-US" dirty="0"/>
+                    </a:p>
+                  </a:txBody>
+                  <a:tcPr/>
+                </a:tc>
+                <a:tc>
+                  <a:txBody>
+                    <a:bodyPr/>
+                    <a:lstStyle/>
+                    <a:p>
+                      <a:r>
+                        <a:rPr lang="en-US" dirty="0" smtClean="0"/>
+                        <a:t>Charles</a:t>
+                      </a:r>
+                      <a:endParaRPr lang="en-US" dirty="0"/>
+                    </a:p>
+                  </a:txBody>
+                  <a:tcPr/>
+                </a:tc>
+                <a:tc>
+                  <a:txBody>
+                    <a:bodyPr/>
+                    <a:lstStyle/>
+                    <a:p>
+                      <a:r>
+                        <a:rPr lang="en-US" dirty="0" smtClean="0"/>
+                        <a:t>Spring -2015</a:t>
+                      </a:r>
+                      <a:endParaRPr lang="en-US" dirty="0"/>
+                    </a:p>
+                  </a:txBody>
+                  <a:tcPr/>
+                </a:tc>
+                <a:tc>
+                  <a:txBody>
+                    <a:bodyPr/>
+                    <a:lstStyle/>
+                    <a:p>
+                      <a:r>
+                        <a:rPr lang="en-US" dirty="0" smtClean="0"/>
+                        <a:t>100</a:t>
+                      </a:r>
+                      <a:endParaRPr lang="en-US" dirty="0"/>
+                    </a:p>
+                  </a:txBody>
+                  <a:tcPr/>
+                </a:tc>
+                <a:tc>
+                  <a:txBody>
+                    <a:bodyPr/>
+                    <a:lstStyle/>
+                    <a:p>
+                      <a:r>
+                        <a:rPr lang="en-US" dirty="0" smtClean="0"/>
+                        <a:t>A</a:t>
+                      </a:r>
+                      <a:endParaRPr lang="en-US" dirty="0"/>
+                    </a:p>
+                  </a:txBody>
+                  <a:tcPr/>
+                </a:tc>
+                <a:tc>
+                  <a:txBody>
+                    <a:bodyPr/>
+                    <a:lstStyle/>
+                    <a:p>
+                      <a:r>
+                        <a:rPr lang="en-US" dirty="0" smtClean="0"/>
+                        <a:t>4.00</a:t>
+                      </a:r>
+                      <a:endParaRPr lang="en-US" dirty="0"/>
+                    </a:p>
+                  </a:txBody>
+                  <a:tcPr/>
+                </a:tc>
+              </a:tr>
+              <a:tr h="370840">
+                <a:tc>
+                  <a:txBody>
+                    <a:bodyPr/>
+                    <a:lstStyle/>
+                    <a:p>
+                      <a:endParaRPr lang="en-US"/>
+                    </a:p>
+                  </a:txBody>
+                  <a:tcPr/>
+                </a:tc>
+                <a:tc>
+                  <a:txBody>
+                    <a:bodyPr/>
+                    <a:lstStyle/>
+                    <a:p>
+                      <a:endParaRPr lang="en-US"/>
+                    </a:p>
+                  </a:txBody>
+                  <a:tcPr/>
+                </a:tc>
+                <a:tc>
+                  <a:txBody>
+                    <a:bodyPr/>
+                    <a:lstStyle/>
+                    <a:p>
+                      <a:endParaRPr lang="en-US"/>
+                    </a:p>
+                  </a:txBody>
+                  <a:tcPr/>
+                </a:tc>
+                <a:tc>
+                  <a:txBody>
+                    <a:bodyPr/>
+                    <a:lstStyle/>
+                    <a:p>
+                      <a:endParaRPr lang="en-US"/>
+                    </a:p>
+                  </a:txBody>
+                  <a:tcPr/>
+                </a:tc>
+                <a:tc>
+                  <a:txBody>
+                    <a:bodyPr/>
+                    <a:lstStyle/>
+                    <a:p>
+                      <a:endParaRPr lang="en-US" dirty="0"/>
+                    </a:p>
+                  </a:txBody>
+                  <a:tcPr/>
+                </a:tc>
+                <a:tc>
+                  <a:txBody>
+                    <a:bodyPr/>
+                    <a:lstStyle/>
+                    <a:p>
+                      <a:endParaRPr lang="en-US"/>
+                    </a:p>
+                  </a:txBody>
+                  <a:tcPr/>
+                </a:tc>
+                <a:tc>
+                  <a:txBody>
+                    <a:bodyPr/>
+                    <a:lstStyle/>
+                    <a:p>
+                      <a:endParaRPr lang="en-US"/>
+                    </a:p>
+                  </a:txBody>
+                  <a:tcPr/>
+                </a:tc>
+              </a:tr>
+              <a:tr h="370840">
+                <a:tc>
+                  <a:txBody>
+                    <a:bodyPr/>
+                    <a:lstStyle/>
+                    <a:p>
+                      <a:endParaRPr lang="en-US"/>
+                    </a:p>
+                  </a:txBody>
+                  <a:tcPr/>
+                </a:tc>
+                <a:tc>
+                  <a:txBody>
+                    <a:bodyPr/>
+                    <a:lstStyle/>
+                    <a:p>
+                      <a:endParaRPr lang="en-US"/>
+                    </a:p>
+                  </a:txBody>
+                  <a:tcPr/>
+                </a:tc>
+                <a:tc>
+                  <a:txBody>
+                    <a:bodyPr/>
+                    <a:lstStyle/>
+                    <a:p>
+                      <a:endParaRPr lang="en-US"/>
+                    </a:p>
+                  </a:txBody>
+                  <a:tcPr/>
+                </a:tc>
+                <a:tc>
+                  <a:txBody>
+                    <a:bodyPr/>
+                    <a:lstStyle/>
+                    <a:p>
+                      <a:endParaRPr lang="en-US"/>
+                    </a:p>
+                  </a:txBody>
+                  <a:tcPr/>
+                </a:tc>
+                <a:tc>
+                  <a:txBody>
+                    <a:bodyPr/>
+                    <a:lstStyle/>
+                    <a:p>
+                      <a:endParaRPr lang="en-US"/>
+                    </a:p>
+                  </a:txBody>
+                  <a:tcPr/>
+                </a:tc>
+                <a:tc>
+                  <a:txBody>
+                    <a:bodyPr/>
+                    <a:lstStyle/>
+                    <a:p>
+                      <a:endParaRPr lang="en-US"/>
+                    </a:p>
+                  </a:txBody>
+                  <a:tcPr/>
+                </a:tc>
+                <a:tc>
+                  <a:txBody>
+                    <a:bodyPr/>
+                    <a:lstStyle/>
+                    <a:p>
+                      <a:endParaRPr lang="en-US"/>
+                    </a:p>
+                  </a:txBody>
+                  <a:tcPr/>
+                </a:tc>
+              </a:tr>
+              <a:tr h="370840">
+                <a:tc>
+                  <a:txBody>
+                    <a:bodyPr/>
+                    <a:lstStyle/>
+                    <a:p>
+                      <a:endParaRPr lang="en-US"/>
+                    </a:p>
+                  </a:txBody>
+                  <a:tcPr/>
+                </a:tc>
+                <a:tc>
+                  <a:txBody>
+                    <a:bodyPr/>
+                    <a:lstStyle/>
+                    <a:p>
+                      <a:endParaRPr lang="en-US"/>
+                    </a:p>
+                  </a:txBody>
+                  <a:tcPr/>
+                </a:tc>
+                <a:tc>
+                  <a:txBody>
+                    <a:bodyPr/>
+                    <a:lstStyle/>
+                    <a:p>
+                      <a:endParaRPr lang="en-US"/>
+                    </a:p>
+                  </a:txBody>
+                  <a:tcPr/>
+                </a:tc>
+                <a:tc>
+                  <a:txBody>
+                    <a:bodyPr/>
+                    <a:lstStyle/>
+                    <a:p>
+                      <a:endParaRPr lang="en-US"/>
+                    </a:p>
+                  </a:txBody>
+                  <a:tcPr/>
+                </a:tc>
+                <a:tc>
+                  <a:txBody>
+                    <a:bodyPr/>
+                    <a:lstStyle/>
+                    <a:p>
+                      <a:endParaRPr lang="en-US"/>
+                    </a:p>
+                  </a:txBody>
+                  <a:tcPr/>
+                </a:tc>
+                <a:tc>
+                  <a:txBody>
+                    <a:bodyPr/>
+                    <a:lstStyle/>
+                    <a:p>
+                      <a:endParaRPr lang="en-US"/>
+                    </a:p>
+                  </a:txBody>
+                  <a:tcPr/>
+                </a:tc>
+                <a:tc>
+                  <a:txBody>
+                    <a:bodyPr/>
+                    <a:lstStyle/>
+                    <a:p>
+                      <a:endParaRPr lang="en-US"/>
+                    </a:p>
+                  </a:txBody>
+                  <a:tcPr/>
+                </a:tc>
+              </a:tr>
+              <a:tr h="370840">
+                <a:tc>
+                  <a:txBody>
+                    <a:bodyPr/>
+                    <a:lstStyle/>
+                    <a:p>
+                      <a:endParaRPr lang="en-US"/>
+                    </a:p>
+                  </a:txBody>
+                  <a:tcPr/>
+                </a:tc>
+                <a:tc>
+                  <a:txBody>
+                    <a:bodyPr/>
+                    <a:lstStyle/>
+                    <a:p>
+                      <a:endParaRPr lang="en-US"/>
+                    </a:p>
+                  </a:txBody>
+                  <a:tcPr/>
+                </a:tc>
+                <a:tc>
+                  <a:txBody>
+                    <a:bodyPr/>
+                    <a:lstStyle/>
+                    <a:p>
+                      <a:endParaRPr lang="en-US"/>
+                    </a:p>
+                  </a:txBody>
+                  <a:tcPr/>
+                </a:tc>
+                <a:tc>
+                  <a:txBody>
+                    <a:bodyPr/>
+                    <a:lstStyle/>
+                    <a:p>
+                      <a:endParaRPr lang="en-US"/>
+                    </a:p>
+                  </a:txBody>
+                  <a:tcPr/>
+                </a:tc>
+                <a:tc>
+                  <a:txBody>
+                    <a:bodyPr/>
+                    <a:lstStyle/>
+                    <a:p>
+                      <a:endParaRPr lang="en-US"/>
+                    </a:p>
+                  </a:txBody>
+                  <a:tcPr/>
+                </a:tc>
+                <a:tc>
+                  <a:txBody>
+                    <a:bodyPr/>
+                    <a:lstStyle/>
+                    <a:p>
+                      <a:endParaRPr lang="en-US"/>
+                    </a:p>
+                  </a:txBody>
+                  <a:tcPr/>
+                </a:tc>
+                <a:tc>
+                  <a:txBody>
+                    <a:bodyPr/>
+                    <a:lstStyle/>
+                    <a:p>
+                      <a:endParaRPr lang="en-US"/>
+                    </a:p>
+                  </a:txBody>
+                  <a:tcPr/>
+                </a:tc>
+              </a:tr>
+              <a:tr h="370840">
+                <a:tc>
+                  <a:txBody>
+                    <a:bodyPr/>
+                    <a:lstStyle/>
+                    <a:p>
+                      <a:endParaRPr lang="en-US"/>
+                    </a:p>
+                  </a:txBody>
+                  <a:tcPr/>
+                </a:tc>
+                <a:tc>
+                  <a:txBody>
+                    <a:bodyPr/>
+                    <a:lstStyle/>
+                    <a:p>
+                      <a:endParaRPr lang="en-US"/>
+                    </a:p>
+                  </a:txBody>
+                  <a:tcPr/>
+                </a:tc>
+                <a:tc>
+                  <a:txBody>
+                    <a:bodyPr/>
+                    <a:lstStyle/>
+                    <a:p>
+                      <a:endParaRPr lang="en-US"/>
+                    </a:p>
+                  </a:txBody>
+                  <a:tcPr/>
+                </a:tc>
+                <a:tc>
+                  <a:txBody>
+                    <a:bodyPr/>
+                    <a:lstStyle/>
+                    <a:p>
+                      <a:endParaRPr lang="en-US"/>
+                    </a:p>
+                  </a:txBody>
+                  <a:tcPr/>
+                </a:tc>
+                <a:tc>
+                  <a:txBody>
+                    <a:bodyPr/>
+                    <a:lstStyle/>
+                    <a:p>
+                      <a:endParaRPr lang="en-US"/>
+                    </a:p>
+                  </a:txBody>
+                  <a:tcPr/>
+                </a:tc>
+                <a:tc>
+                  <a:txBody>
+                    <a:bodyPr/>
+                    <a:lstStyle/>
+                    <a:p>
+                      <a:endParaRPr lang="en-US"/>
+                    </a:p>
+                  </a:txBody>
+                  <a:tcPr/>
+                </a:tc>
+                <a:tc>
+                  <a:txBody>
+                    <a:bodyPr/>
+                    <a:lstStyle/>
+                    <a:p>
+                      <a:endParaRPr lang="en-US"/>
+                    </a:p>
+                  </a:txBody>
+                  <a:tcPr/>
+                </a:tc>
+              </a:tr>
+              <a:tr h="370840">
+                <a:tc>
+                  <a:txBody>
+                    <a:bodyPr/>
+                    <a:lstStyle/>
+                    <a:p>
+                      <a:endParaRPr lang="en-US"/>
+                    </a:p>
+                  </a:txBody>
+                  <a:tcPr/>
+                </a:tc>
+                <a:tc>
+                  <a:txBody>
+                    <a:bodyPr/>
+                    <a:lstStyle/>
+                    <a:p>
+                      <a:endParaRPr lang="en-US"/>
+                    </a:p>
+                  </a:txBody>
+                  <a:tcPr/>
+                </a:tc>
+                <a:tc>
+                  <a:txBody>
+                    <a:bodyPr/>
+                    <a:lstStyle/>
+                    <a:p>
+                      <a:endParaRPr lang="en-US"/>
+                    </a:p>
+                  </a:txBody>
+                  <a:tcPr/>
+                </a:tc>
+                <a:tc>
+                  <a:txBody>
+                    <a:bodyPr/>
+                    <a:lstStyle/>
+                    <a:p>
+                      <a:endParaRPr lang="en-US"/>
+                    </a:p>
+                  </a:txBody>
+                  <a:tcPr/>
+                </a:tc>
+                <a:tc>
+                  <a:txBody>
+                    <a:bodyPr/>
+                    <a:lstStyle/>
+                    <a:p>
+                      <a:endParaRPr lang="en-US" dirty="0"/>
+                    </a:p>
+                  </a:txBody>
+                  <a:tcPr/>
+                </a:tc>
+                <a:tc>
+                  <a:txBody>
+                    <a:bodyPr/>
+                    <a:lstStyle/>
+                    <a:p>
+                      <a:endParaRPr lang="en-US" dirty="0"/>
+                    </a:p>
+                  </a:txBody>
+                  <a:tcPr/>
+                </a:tc>
+                <a:tc>
+                  <a:txBody>
+                    <a:bodyPr/>
+                    <a:lstStyle/>
+                    <a:p>
+                      <a:endParaRPr lang="en-US" dirty="0"/>
+                    </a:p>
+                  </a:txBody>
+                  <a:tcPr/>
+                </a:tc>
+              </a:tr>
+            </a:tbl>
+          </a:graphicData>
+        </a:graphic>
+      </p:graphicFrame>
     </p:spTree>
     <p:extLst>
       <p:ext uri="{BB962C8B-B14F-4D97-AF65-F5344CB8AC3E}">
-        <p14:creationId xmlns:p14="http://schemas.microsoft.com/office/powerpoint/2010/main" val="116170494"/>
+        <p14:creationId xmlns:p14="http://schemas.microsoft.com/office/powerpoint/2010/main" val="1305622237"/>
+      </p:ext>
+    </p:extLst>
+  </p:cSld>
+  <p:clrMapOvr>
+    <a:masterClrMapping/>
+  </p:clrMapOvr>
+</p:sld>
+</file>
+
+<file path=ppt/slides/slide8.xml><?xml version="1.0" encoding="utf-8"?>
+<p:sld xmlns:a="http://schemas.openxmlformats.org/drawingml/2006/main" xmlns:r="http://schemas.openxmlformats.org/officeDocument/2006/relationships" xmlns:p="http://schemas.openxmlformats.org/presentationml/2006/main">
+  <p:cSld>
+    <p:spTree>
+      <p:nvGrpSpPr>
+        <p:cNvPr id="1" name=""/>
+        <p:cNvGrpSpPr/>
+        <p:nvPr/>
+      </p:nvGrpSpPr>
+      <p:grpSpPr>
+        <a:xfrm>
+          <a:off x="0" y="0"/>
+          <a:ext cx="0" cy="0"/>
+          <a:chOff x="0" y="0"/>
+          <a:chExt cx="0" cy="0"/>
+        </a:xfrm>
+      </p:grpSpPr>
+      <p:graphicFrame>
+        <p:nvGraphicFramePr>
+          <p:cNvPr id="2" name="Table 1"/>
+          <p:cNvGraphicFramePr>
+            <a:graphicFrameLocks noGrp="1"/>
+          </p:cNvGraphicFramePr>
+          <p:nvPr>
+            <p:extLst>
+              <p:ext uri="{D42A27DB-BD31-4B8C-83A1-F6EECF244321}">
+                <p14:modId xmlns:p14="http://schemas.microsoft.com/office/powerpoint/2010/main" val="1163609130"/>
+              </p:ext>
+            </p:extLst>
+          </p:nvPr>
+        </p:nvGraphicFramePr>
+        <p:xfrm>
+          <a:off x="1333427" y="963637"/>
+          <a:ext cx="8128001" cy="4516120"/>
+        </p:xfrm>
+        <a:graphic>
+          <a:graphicData uri="http://schemas.openxmlformats.org/drawingml/2006/table">
+            <a:tbl>
+              <a:tblPr firstRow="1" bandRow="1">
+                <a:tableStyleId>{5C22544A-7EE6-4342-B048-85BDC9FD1C3A}</a:tableStyleId>
+              </a:tblPr>
+              <a:tblGrid>
+                <a:gridCol w="1161143"/>
+                <a:gridCol w="1161143"/>
+                <a:gridCol w="1161143"/>
+                <a:gridCol w="1161143"/>
+                <a:gridCol w="1161143"/>
+                <a:gridCol w="1161143"/>
+                <a:gridCol w="1161143"/>
+              </a:tblGrid>
+              <a:tr h="370840">
+                <a:tc gridSpan="7">
+                  <a:txBody>
+                    <a:bodyPr/>
+                    <a:lstStyle/>
+                    <a:p>
+                      <a:pPr algn="ctr"/>
+                      <a:r>
+                        <a:rPr lang="en-US" dirty="0" smtClean="0"/>
+                        <a:t>Final</a:t>
+                      </a:r>
+                      <a:r>
+                        <a:rPr lang="en-US" baseline="0" dirty="0" smtClean="0"/>
+                        <a:t> Grade</a:t>
+                      </a:r>
+                      <a:endParaRPr lang="en-US" dirty="0"/>
+                    </a:p>
+                  </a:txBody>
+                  <a:tcPr/>
+                </a:tc>
+                <a:tc hMerge="1">
+                  <a:txBody>
+                    <a:bodyPr/>
+                    <a:lstStyle/>
+                    <a:p>
+                      <a:endParaRPr lang="en-US" dirty="0"/>
+                    </a:p>
+                  </a:txBody>
+                  <a:tcPr/>
+                </a:tc>
+                <a:tc hMerge="1">
+                  <a:txBody>
+                    <a:bodyPr/>
+                    <a:lstStyle/>
+                    <a:p>
+                      <a:endParaRPr lang="en-US" dirty="0"/>
+                    </a:p>
+                  </a:txBody>
+                  <a:tcPr/>
+                </a:tc>
+                <a:tc hMerge="1">
+                  <a:txBody>
+                    <a:bodyPr/>
+                    <a:lstStyle/>
+                    <a:p>
+                      <a:endParaRPr lang="en-US" dirty="0"/>
+                    </a:p>
+                  </a:txBody>
+                  <a:tcPr/>
+                </a:tc>
+                <a:tc hMerge="1">
+                  <a:txBody>
+                    <a:bodyPr/>
+                    <a:lstStyle/>
+                    <a:p>
+                      <a:endParaRPr lang="en-US" dirty="0"/>
+                    </a:p>
+                  </a:txBody>
+                  <a:tcPr/>
+                </a:tc>
+                <a:tc hMerge="1">
+                  <a:txBody>
+                    <a:bodyPr/>
+                    <a:lstStyle/>
+                    <a:p>
+                      <a:endParaRPr lang="en-US" dirty="0"/>
+                    </a:p>
+                  </a:txBody>
+                  <a:tcPr/>
+                </a:tc>
+                <a:tc hMerge="1">
+                  <a:txBody>
+                    <a:bodyPr/>
+                    <a:lstStyle/>
+                    <a:p>
+                      <a:endParaRPr lang="en-US" dirty="0"/>
+                    </a:p>
+                  </a:txBody>
+                  <a:tcPr/>
+                </a:tc>
+              </a:tr>
+              <a:tr h="370840">
+                <a:tc>
+                  <a:txBody>
+                    <a:bodyPr/>
+                    <a:lstStyle/>
+                    <a:p>
+                      <a:r>
+                        <a:rPr lang="en-US" dirty="0" smtClean="0"/>
+                        <a:t>Course Name</a:t>
+                      </a:r>
+                      <a:endParaRPr lang="en-US" dirty="0"/>
+                    </a:p>
+                  </a:txBody>
+                  <a:tcPr/>
+                </a:tc>
+                <a:tc>
+                  <a:txBody>
+                    <a:bodyPr/>
+                    <a:lstStyle/>
+                    <a:p>
+                      <a:r>
+                        <a:rPr lang="en-US" dirty="0" smtClean="0"/>
+                        <a:t>CRN</a:t>
+                      </a:r>
+                      <a:endParaRPr lang="en-US" dirty="0"/>
+                    </a:p>
+                  </a:txBody>
+                  <a:tcPr/>
+                </a:tc>
+                <a:tc>
+                  <a:txBody>
+                    <a:bodyPr/>
+                    <a:lstStyle/>
+                    <a:p>
+                      <a:r>
+                        <a:rPr lang="en-US" dirty="0" smtClean="0"/>
+                        <a:t>Instructor</a:t>
+                      </a:r>
+                      <a:endParaRPr lang="en-US" dirty="0"/>
+                    </a:p>
+                  </a:txBody>
+                  <a:tcPr/>
+                </a:tc>
+                <a:tc>
+                  <a:txBody>
+                    <a:bodyPr/>
+                    <a:lstStyle/>
+                    <a:p>
+                      <a:r>
+                        <a:rPr lang="en-US" dirty="0" smtClean="0"/>
+                        <a:t>Terms</a:t>
+                      </a:r>
+                      <a:endParaRPr lang="en-US" dirty="0"/>
+                    </a:p>
+                  </a:txBody>
+                  <a:tcPr/>
+                </a:tc>
+                <a:tc>
+                  <a:txBody>
+                    <a:bodyPr/>
+                    <a:lstStyle/>
+                    <a:p>
+                      <a:r>
+                        <a:rPr lang="en-US" dirty="0" smtClean="0"/>
+                        <a:t>Number</a:t>
+                      </a:r>
+                      <a:endParaRPr lang="en-US" dirty="0"/>
+                    </a:p>
+                  </a:txBody>
+                  <a:tcPr/>
+                </a:tc>
+                <a:tc>
+                  <a:txBody>
+                    <a:bodyPr/>
+                    <a:lstStyle/>
+                    <a:p>
+                      <a:r>
+                        <a:rPr lang="en-US" dirty="0" smtClean="0"/>
+                        <a:t>Letter Grade</a:t>
+                      </a:r>
+                      <a:endParaRPr lang="en-US" dirty="0"/>
+                    </a:p>
+                  </a:txBody>
+                  <a:tcPr/>
+                </a:tc>
+                <a:tc>
+                  <a:txBody>
+                    <a:bodyPr/>
+                    <a:lstStyle/>
+                    <a:p>
+                      <a:r>
+                        <a:rPr lang="en-US" dirty="0" smtClean="0"/>
+                        <a:t>GPA</a:t>
+                      </a:r>
+                      <a:endParaRPr lang="en-US" dirty="0"/>
+                    </a:p>
+                  </a:txBody>
+                  <a:tcPr/>
+                </a:tc>
+              </a:tr>
+              <a:tr h="370840">
+                <a:tc>
+                  <a:txBody>
+                    <a:bodyPr/>
+                    <a:lstStyle/>
+                    <a:p>
+                      <a:r>
+                        <a:rPr lang="en-US" dirty="0" smtClean="0"/>
+                        <a:t>Math</a:t>
+                      </a:r>
+                      <a:endParaRPr lang="en-US" dirty="0"/>
+                    </a:p>
+                  </a:txBody>
+                  <a:tcPr/>
+                </a:tc>
+                <a:tc>
+                  <a:txBody>
+                    <a:bodyPr/>
+                    <a:lstStyle/>
+                    <a:p>
+                      <a:r>
+                        <a:rPr lang="en-US" dirty="0" smtClean="0"/>
+                        <a:t>1296</a:t>
+                      </a:r>
+                      <a:endParaRPr lang="en-US" dirty="0"/>
+                    </a:p>
+                  </a:txBody>
+                  <a:tcPr/>
+                </a:tc>
+                <a:tc>
+                  <a:txBody>
+                    <a:bodyPr/>
+                    <a:lstStyle/>
+                    <a:p>
+                      <a:r>
+                        <a:rPr lang="en-US" dirty="0" smtClean="0"/>
+                        <a:t>Aaron</a:t>
+                      </a:r>
+                      <a:endParaRPr lang="en-US" dirty="0"/>
+                    </a:p>
+                  </a:txBody>
+                  <a:tcPr/>
+                </a:tc>
+                <a:tc>
+                  <a:txBody>
+                    <a:bodyPr/>
+                    <a:lstStyle/>
+                    <a:p>
+                      <a:r>
+                        <a:rPr lang="en-US" dirty="0" smtClean="0"/>
+                        <a:t>Sprint -2015</a:t>
+                      </a:r>
+                      <a:endParaRPr lang="en-US" dirty="0"/>
+                    </a:p>
+                  </a:txBody>
+                  <a:tcPr/>
+                </a:tc>
+                <a:tc>
+                  <a:txBody>
+                    <a:bodyPr/>
+                    <a:lstStyle/>
+                    <a:p>
+                      <a:r>
+                        <a:rPr lang="en-US" dirty="0" smtClean="0"/>
+                        <a:t>96</a:t>
+                      </a:r>
+                      <a:endParaRPr lang="en-US" dirty="0"/>
+                    </a:p>
+                  </a:txBody>
+                  <a:tcPr/>
+                </a:tc>
+                <a:tc>
+                  <a:txBody>
+                    <a:bodyPr/>
+                    <a:lstStyle/>
+                    <a:p>
+                      <a:r>
+                        <a:rPr lang="en-US" dirty="0" smtClean="0"/>
+                        <a:t>A</a:t>
+                      </a:r>
+                      <a:endParaRPr lang="en-US" dirty="0"/>
+                    </a:p>
+                  </a:txBody>
+                  <a:tcPr/>
+                </a:tc>
+                <a:tc>
+                  <a:txBody>
+                    <a:bodyPr/>
+                    <a:lstStyle/>
+                    <a:p>
+                      <a:r>
+                        <a:rPr lang="en-US" dirty="0" smtClean="0"/>
+                        <a:t>4.00</a:t>
+                      </a:r>
+                      <a:endParaRPr lang="en-US" dirty="0"/>
+                    </a:p>
+                  </a:txBody>
+                  <a:tcPr/>
+                </a:tc>
+              </a:tr>
+              <a:tr h="370840">
+                <a:tc>
+                  <a:txBody>
+                    <a:bodyPr/>
+                    <a:lstStyle/>
+                    <a:p>
+                      <a:r>
+                        <a:rPr lang="en-US" dirty="0" smtClean="0"/>
+                        <a:t>Physics</a:t>
+                      </a:r>
+                      <a:endParaRPr lang="en-US" dirty="0"/>
+                    </a:p>
+                  </a:txBody>
+                  <a:tcPr/>
+                </a:tc>
+                <a:tc>
+                  <a:txBody>
+                    <a:bodyPr/>
+                    <a:lstStyle/>
+                    <a:p>
+                      <a:r>
+                        <a:rPr lang="en-US" dirty="0" smtClean="0"/>
+                        <a:t>1234</a:t>
+                      </a:r>
+                      <a:endParaRPr lang="en-US" dirty="0"/>
+                    </a:p>
+                  </a:txBody>
+                  <a:tcPr/>
+                </a:tc>
+                <a:tc>
+                  <a:txBody>
+                    <a:bodyPr/>
+                    <a:lstStyle/>
+                    <a:p>
+                      <a:r>
+                        <a:rPr lang="en-US" dirty="0" smtClean="0"/>
+                        <a:t>Charles</a:t>
+                      </a:r>
+                      <a:endParaRPr lang="en-US" dirty="0"/>
+                    </a:p>
+                  </a:txBody>
+                  <a:tcPr/>
+                </a:tc>
+                <a:tc>
+                  <a:txBody>
+                    <a:bodyPr/>
+                    <a:lstStyle/>
+                    <a:p>
+                      <a:r>
+                        <a:rPr lang="en-US" dirty="0" smtClean="0"/>
+                        <a:t>Spring -2015</a:t>
+                      </a:r>
+                      <a:endParaRPr lang="en-US" dirty="0"/>
+                    </a:p>
+                  </a:txBody>
+                  <a:tcPr/>
+                </a:tc>
+                <a:tc>
+                  <a:txBody>
+                    <a:bodyPr/>
+                    <a:lstStyle/>
+                    <a:p>
+                      <a:r>
+                        <a:rPr lang="en-US" dirty="0" smtClean="0"/>
+                        <a:t>100</a:t>
+                      </a:r>
+                      <a:endParaRPr lang="en-US" dirty="0"/>
+                    </a:p>
+                  </a:txBody>
+                  <a:tcPr/>
+                </a:tc>
+                <a:tc>
+                  <a:txBody>
+                    <a:bodyPr/>
+                    <a:lstStyle/>
+                    <a:p>
+                      <a:r>
+                        <a:rPr lang="en-US" dirty="0" smtClean="0"/>
+                        <a:t>A</a:t>
+                      </a:r>
+                      <a:endParaRPr lang="en-US" dirty="0"/>
+                    </a:p>
+                  </a:txBody>
+                  <a:tcPr/>
+                </a:tc>
+                <a:tc>
+                  <a:txBody>
+                    <a:bodyPr/>
+                    <a:lstStyle/>
+                    <a:p>
+                      <a:r>
+                        <a:rPr lang="en-US" dirty="0" smtClean="0"/>
+                        <a:t>4.00</a:t>
+                      </a:r>
+                      <a:endParaRPr lang="en-US" dirty="0"/>
+                    </a:p>
+                  </a:txBody>
+                  <a:tcPr/>
+                </a:tc>
+              </a:tr>
+              <a:tr h="370840">
+                <a:tc>
+                  <a:txBody>
+                    <a:bodyPr/>
+                    <a:lstStyle/>
+                    <a:p>
+                      <a:endParaRPr lang="en-US"/>
+                    </a:p>
+                  </a:txBody>
+                  <a:tcPr/>
+                </a:tc>
+                <a:tc>
+                  <a:txBody>
+                    <a:bodyPr/>
+                    <a:lstStyle/>
+                    <a:p>
+                      <a:endParaRPr lang="en-US"/>
+                    </a:p>
+                  </a:txBody>
+                  <a:tcPr/>
+                </a:tc>
+                <a:tc>
+                  <a:txBody>
+                    <a:bodyPr/>
+                    <a:lstStyle/>
+                    <a:p>
+                      <a:endParaRPr lang="en-US"/>
+                    </a:p>
+                  </a:txBody>
+                  <a:tcPr/>
+                </a:tc>
+                <a:tc>
+                  <a:txBody>
+                    <a:bodyPr/>
+                    <a:lstStyle/>
+                    <a:p>
+                      <a:endParaRPr lang="en-US"/>
+                    </a:p>
+                  </a:txBody>
+                  <a:tcPr/>
+                </a:tc>
+                <a:tc>
+                  <a:txBody>
+                    <a:bodyPr/>
+                    <a:lstStyle/>
+                    <a:p>
+                      <a:endParaRPr lang="en-US" dirty="0"/>
+                    </a:p>
+                  </a:txBody>
+                  <a:tcPr/>
+                </a:tc>
+                <a:tc>
+                  <a:txBody>
+                    <a:bodyPr/>
+                    <a:lstStyle/>
+                    <a:p>
+                      <a:endParaRPr lang="en-US"/>
+                    </a:p>
+                  </a:txBody>
+                  <a:tcPr/>
+                </a:tc>
+                <a:tc>
+                  <a:txBody>
+                    <a:bodyPr/>
+                    <a:lstStyle/>
+                    <a:p>
+                      <a:endParaRPr lang="en-US"/>
+                    </a:p>
+                  </a:txBody>
+                  <a:tcPr/>
+                </a:tc>
+              </a:tr>
+              <a:tr h="370840">
+                <a:tc>
+                  <a:txBody>
+                    <a:bodyPr/>
+                    <a:lstStyle/>
+                    <a:p>
+                      <a:endParaRPr lang="en-US"/>
+                    </a:p>
+                  </a:txBody>
+                  <a:tcPr/>
+                </a:tc>
+                <a:tc>
+                  <a:txBody>
+                    <a:bodyPr/>
+                    <a:lstStyle/>
+                    <a:p>
+                      <a:endParaRPr lang="en-US"/>
+                    </a:p>
+                  </a:txBody>
+                  <a:tcPr/>
+                </a:tc>
+                <a:tc>
+                  <a:txBody>
+                    <a:bodyPr/>
+                    <a:lstStyle/>
+                    <a:p>
+                      <a:endParaRPr lang="en-US"/>
+                    </a:p>
+                  </a:txBody>
+                  <a:tcPr/>
+                </a:tc>
+                <a:tc>
+                  <a:txBody>
+                    <a:bodyPr/>
+                    <a:lstStyle/>
+                    <a:p>
+                      <a:endParaRPr lang="en-US"/>
+                    </a:p>
+                  </a:txBody>
+                  <a:tcPr/>
+                </a:tc>
+                <a:tc>
+                  <a:txBody>
+                    <a:bodyPr/>
+                    <a:lstStyle/>
+                    <a:p>
+                      <a:endParaRPr lang="en-US"/>
+                    </a:p>
+                  </a:txBody>
+                  <a:tcPr/>
+                </a:tc>
+                <a:tc>
+                  <a:txBody>
+                    <a:bodyPr/>
+                    <a:lstStyle/>
+                    <a:p>
+                      <a:endParaRPr lang="en-US"/>
+                    </a:p>
+                  </a:txBody>
+                  <a:tcPr/>
+                </a:tc>
+                <a:tc>
+                  <a:txBody>
+                    <a:bodyPr/>
+                    <a:lstStyle/>
+                    <a:p>
+                      <a:endParaRPr lang="en-US"/>
+                    </a:p>
+                  </a:txBody>
+                  <a:tcPr/>
+                </a:tc>
+              </a:tr>
+              <a:tr h="370840">
+                <a:tc>
+                  <a:txBody>
+                    <a:bodyPr/>
+                    <a:lstStyle/>
+                    <a:p>
+                      <a:endParaRPr lang="en-US"/>
+                    </a:p>
+                  </a:txBody>
+                  <a:tcPr/>
+                </a:tc>
+                <a:tc>
+                  <a:txBody>
+                    <a:bodyPr/>
+                    <a:lstStyle/>
+                    <a:p>
+                      <a:endParaRPr lang="en-US"/>
+                    </a:p>
+                  </a:txBody>
+                  <a:tcPr/>
+                </a:tc>
+                <a:tc>
+                  <a:txBody>
+                    <a:bodyPr/>
+                    <a:lstStyle/>
+                    <a:p>
+                      <a:endParaRPr lang="en-US"/>
+                    </a:p>
+                  </a:txBody>
+                  <a:tcPr/>
+                </a:tc>
+                <a:tc>
+                  <a:txBody>
+                    <a:bodyPr/>
+                    <a:lstStyle/>
+                    <a:p>
+                      <a:endParaRPr lang="en-US"/>
+                    </a:p>
+                  </a:txBody>
+                  <a:tcPr/>
+                </a:tc>
+                <a:tc>
+                  <a:txBody>
+                    <a:bodyPr/>
+                    <a:lstStyle/>
+                    <a:p>
+                      <a:endParaRPr lang="en-US"/>
+                    </a:p>
+                  </a:txBody>
+                  <a:tcPr/>
+                </a:tc>
+                <a:tc>
+                  <a:txBody>
+                    <a:bodyPr/>
+                    <a:lstStyle/>
+                    <a:p>
+                      <a:endParaRPr lang="en-US"/>
+                    </a:p>
+                  </a:txBody>
+                  <a:tcPr/>
+                </a:tc>
+                <a:tc>
+                  <a:txBody>
+                    <a:bodyPr/>
+                    <a:lstStyle/>
+                    <a:p>
+                      <a:endParaRPr lang="en-US"/>
+                    </a:p>
+                  </a:txBody>
+                  <a:tcPr/>
+                </a:tc>
+              </a:tr>
+              <a:tr h="370840">
+                <a:tc>
+                  <a:txBody>
+                    <a:bodyPr/>
+                    <a:lstStyle/>
+                    <a:p>
+                      <a:endParaRPr lang="en-US"/>
+                    </a:p>
+                  </a:txBody>
+                  <a:tcPr/>
+                </a:tc>
+                <a:tc>
+                  <a:txBody>
+                    <a:bodyPr/>
+                    <a:lstStyle/>
+                    <a:p>
+                      <a:endParaRPr lang="en-US"/>
+                    </a:p>
+                  </a:txBody>
+                  <a:tcPr/>
+                </a:tc>
+                <a:tc>
+                  <a:txBody>
+                    <a:bodyPr/>
+                    <a:lstStyle/>
+                    <a:p>
+                      <a:endParaRPr lang="en-US"/>
+                    </a:p>
+                  </a:txBody>
+                  <a:tcPr/>
+                </a:tc>
+                <a:tc>
+                  <a:txBody>
+                    <a:bodyPr/>
+                    <a:lstStyle/>
+                    <a:p>
+                      <a:endParaRPr lang="en-US"/>
+                    </a:p>
+                  </a:txBody>
+                  <a:tcPr/>
+                </a:tc>
+                <a:tc>
+                  <a:txBody>
+                    <a:bodyPr/>
+                    <a:lstStyle/>
+                    <a:p>
+                      <a:endParaRPr lang="en-US"/>
+                    </a:p>
+                  </a:txBody>
+                  <a:tcPr/>
+                </a:tc>
+                <a:tc>
+                  <a:txBody>
+                    <a:bodyPr/>
+                    <a:lstStyle/>
+                    <a:p>
+                      <a:endParaRPr lang="en-US"/>
+                    </a:p>
+                  </a:txBody>
+                  <a:tcPr/>
+                </a:tc>
+                <a:tc>
+                  <a:txBody>
+                    <a:bodyPr/>
+                    <a:lstStyle/>
+                    <a:p>
+                      <a:endParaRPr lang="en-US"/>
+                    </a:p>
+                  </a:txBody>
+                  <a:tcPr/>
+                </a:tc>
+              </a:tr>
+              <a:tr h="370840">
+                <a:tc>
+                  <a:txBody>
+                    <a:bodyPr/>
+                    <a:lstStyle/>
+                    <a:p>
+                      <a:endParaRPr lang="en-US"/>
+                    </a:p>
+                  </a:txBody>
+                  <a:tcPr/>
+                </a:tc>
+                <a:tc>
+                  <a:txBody>
+                    <a:bodyPr/>
+                    <a:lstStyle/>
+                    <a:p>
+                      <a:endParaRPr lang="en-US"/>
+                    </a:p>
+                  </a:txBody>
+                  <a:tcPr/>
+                </a:tc>
+                <a:tc>
+                  <a:txBody>
+                    <a:bodyPr/>
+                    <a:lstStyle/>
+                    <a:p>
+                      <a:endParaRPr lang="en-US"/>
+                    </a:p>
+                  </a:txBody>
+                  <a:tcPr/>
+                </a:tc>
+                <a:tc>
+                  <a:txBody>
+                    <a:bodyPr/>
+                    <a:lstStyle/>
+                    <a:p>
+                      <a:endParaRPr lang="en-US"/>
+                    </a:p>
+                  </a:txBody>
+                  <a:tcPr/>
+                </a:tc>
+                <a:tc>
+                  <a:txBody>
+                    <a:bodyPr/>
+                    <a:lstStyle/>
+                    <a:p>
+                      <a:endParaRPr lang="en-US"/>
+                    </a:p>
+                  </a:txBody>
+                  <a:tcPr/>
+                </a:tc>
+                <a:tc>
+                  <a:txBody>
+                    <a:bodyPr/>
+                    <a:lstStyle/>
+                    <a:p>
+                      <a:endParaRPr lang="en-US"/>
+                    </a:p>
+                  </a:txBody>
+                  <a:tcPr/>
+                </a:tc>
+                <a:tc>
+                  <a:txBody>
+                    <a:bodyPr/>
+                    <a:lstStyle/>
+                    <a:p>
+                      <a:endParaRPr lang="en-US"/>
+                    </a:p>
+                  </a:txBody>
+                  <a:tcPr/>
+                </a:tc>
+              </a:tr>
+              <a:tr h="370840">
+                <a:tc>
+                  <a:txBody>
+                    <a:bodyPr/>
+                    <a:lstStyle/>
+                    <a:p>
+                      <a:endParaRPr lang="en-US"/>
+                    </a:p>
+                  </a:txBody>
+                  <a:tcPr/>
+                </a:tc>
+                <a:tc>
+                  <a:txBody>
+                    <a:bodyPr/>
+                    <a:lstStyle/>
+                    <a:p>
+                      <a:endParaRPr lang="en-US"/>
+                    </a:p>
+                  </a:txBody>
+                  <a:tcPr/>
+                </a:tc>
+                <a:tc>
+                  <a:txBody>
+                    <a:bodyPr/>
+                    <a:lstStyle/>
+                    <a:p>
+                      <a:endParaRPr lang="en-US"/>
+                    </a:p>
+                  </a:txBody>
+                  <a:tcPr/>
+                </a:tc>
+                <a:tc>
+                  <a:txBody>
+                    <a:bodyPr/>
+                    <a:lstStyle/>
+                    <a:p>
+                      <a:endParaRPr lang="en-US"/>
+                    </a:p>
+                  </a:txBody>
+                  <a:tcPr/>
+                </a:tc>
+                <a:tc>
+                  <a:txBody>
+                    <a:bodyPr/>
+                    <a:lstStyle/>
+                    <a:p>
+                      <a:endParaRPr lang="en-US" dirty="0"/>
+                    </a:p>
+                  </a:txBody>
+                  <a:tcPr/>
+                </a:tc>
+                <a:tc>
+                  <a:txBody>
+                    <a:bodyPr/>
+                    <a:lstStyle/>
+                    <a:p>
+                      <a:endParaRPr lang="en-US" dirty="0"/>
+                    </a:p>
+                  </a:txBody>
+                  <a:tcPr/>
+                </a:tc>
+                <a:tc>
+                  <a:txBody>
+                    <a:bodyPr/>
+                    <a:lstStyle/>
+                    <a:p>
+                      <a:endParaRPr lang="en-US" dirty="0"/>
+                    </a:p>
+                  </a:txBody>
+                  <a:tcPr/>
+                </a:tc>
+              </a:tr>
+            </a:tbl>
+          </a:graphicData>
+        </a:graphic>
+      </p:graphicFrame>
+    </p:spTree>
+    <p:extLst>
+      <p:ext uri="{BB962C8B-B14F-4D97-AF65-F5344CB8AC3E}">
+        <p14:creationId xmlns:p14="http://schemas.microsoft.com/office/powerpoint/2010/main" val="712512653"/>
       </p:ext>
     </p:extLst>
   </p:cSld>
